--- a/Historic_Automobile_Sales.pptx
+++ b/Historic_Automobile_Sales.pptx
@@ -6307,80 +6307,6 @@
               <a:t>2</a:t>
             </a:fld>
             <a:endParaRPr lang="en-US" dirty="0"/>
-          </a:p>
-        </p:txBody>
-      </p:sp>
-      <p:sp>
-        <p:nvSpPr>
-          <p:cNvPr id="6" name="TextBox 5">
-            <a:extLst>
-              <a:ext uri="{FF2B5EF4-FFF2-40B4-BE49-F238E27FC236}">
-                <a16:creationId xmlns:a16="http://schemas.microsoft.com/office/drawing/2014/main" id="{85121B1F-C82D-DCA5-10E4-13D6EF6D2FF0}"/>
-              </a:ext>
-            </a:extLst>
-          </p:cNvPr>
-          <p:cNvSpPr txBox="1"/>
-          <p:nvPr/>
-        </p:nvSpPr>
-        <p:spPr>
-          <a:xfrm>
-            <a:off x="3047215" y="2415694"/>
-            <a:ext cx="6094428" cy="2031325"/>
-          </a:xfrm>
-          <a:prstGeom prst="rect">
-            <a:avLst/>
-          </a:prstGeom>
-          <a:noFill/>
-        </p:spPr>
-        <p:txBody>
-          <a:bodyPr wrap="square">
-            <a:spAutoFit/>
-          </a:bodyPr>
-          <a:lstStyle/>
-          <a:p>
-            <a:r>
-              <a:rPr lang="en-US" b="1"/>
-              <a:t>💡 Outcome</a:t>
-            </a:r>
-            <a:br>
-              <a:rPr lang="en-US" b="1"/>
-            </a:br>
-            <a:r>
-              <a:rPr lang="en-US"/>
-              <a:t>This analysis provides a strategic foundation for:</a:t>
-            </a:r>
-            <a:br>
-              <a:rPr lang="en-US"/>
-            </a:br>
-            <a:r>
-              <a:rPr lang="en-US"/>
-              <a:t>Forecasting future sales trends</a:t>
-            </a:r>
-            <a:br>
-              <a:rPr lang="en-US"/>
-            </a:br>
-            <a:r>
-              <a:rPr lang="en-US"/>
-              <a:t>Optimizing marketing budgets</a:t>
-            </a:r>
-            <a:br>
-              <a:rPr lang="en-US"/>
-            </a:br>
-            <a:r>
-              <a:rPr lang="en-US"/>
-              <a:t>Targeting the most profitable vehicle categories and cities</a:t>
-            </a:r>
-            <a:br>
-              <a:rPr lang="en-US"/>
-            </a:br>
-            <a:r>
-              <a:rPr lang="en-US"/>
-              <a:t>Navigating economic downturns with better planning</a:t>
-            </a:r>
-            <a:br>
-              <a:rPr lang="en-US"/>
-            </a:br>
-            <a:endParaRPr lang="en-IN" dirty="0"/>
           </a:p>
         </p:txBody>
       </p:sp>
